--- a/BaoCao/KLTN_LangTrongNgon-PhamToanTrung.pptx
+++ b/BaoCao/KLTN_LangTrongNgon-PhamToanTrung.pptx
@@ -274,7 +274,7 @@
           <a:p>
             <a:fld id="{BB0DF507-B613-4F28-8DCD-69A9CE7588D0}" type="datetimeFigureOut">
               <a:rPr lang="en-US" smtClean="0"/>
-              <a:t>7/18/2021</a:t>
+              <a:t>7/25/2021</a:t>
             </a:fld>
             <a:endParaRPr lang="en-US"/>
           </a:p>
@@ -472,7 +472,7 @@
           <a:p>
             <a:fld id="{BB0DF507-B613-4F28-8DCD-69A9CE7588D0}" type="datetimeFigureOut">
               <a:rPr lang="en-US" smtClean="0"/>
-              <a:t>7/18/2021</a:t>
+              <a:t>7/25/2021</a:t>
             </a:fld>
             <a:endParaRPr lang="en-US"/>
           </a:p>
@@ -680,7 +680,7 @@
           <a:p>
             <a:fld id="{BB0DF507-B613-4F28-8DCD-69A9CE7588D0}" type="datetimeFigureOut">
               <a:rPr lang="en-US" smtClean="0"/>
-              <a:t>7/18/2021</a:t>
+              <a:t>7/25/2021</a:t>
             </a:fld>
             <a:endParaRPr lang="en-US"/>
           </a:p>
@@ -878,7 +878,7 @@
           <a:p>
             <a:fld id="{BB0DF507-B613-4F28-8DCD-69A9CE7588D0}" type="datetimeFigureOut">
               <a:rPr lang="en-US" smtClean="0"/>
-              <a:t>7/18/2021</a:t>
+              <a:t>7/25/2021</a:t>
             </a:fld>
             <a:endParaRPr lang="en-US"/>
           </a:p>
@@ -1153,7 +1153,7 @@
           <a:p>
             <a:fld id="{BB0DF507-B613-4F28-8DCD-69A9CE7588D0}" type="datetimeFigureOut">
               <a:rPr lang="en-US" smtClean="0"/>
-              <a:t>7/18/2021</a:t>
+              <a:t>7/25/2021</a:t>
             </a:fld>
             <a:endParaRPr lang="en-US"/>
           </a:p>
@@ -1418,7 +1418,7 @@
           <a:p>
             <a:fld id="{BB0DF507-B613-4F28-8DCD-69A9CE7588D0}" type="datetimeFigureOut">
               <a:rPr lang="en-US" smtClean="0"/>
-              <a:t>7/18/2021</a:t>
+              <a:t>7/25/2021</a:t>
             </a:fld>
             <a:endParaRPr lang="en-US"/>
           </a:p>
@@ -1830,7 +1830,7 @@
           <a:p>
             <a:fld id="{BB0DF507-B613-4F28-8DCD-69A9CE7588D0}" type="datetimeFigureOut">
               <a:rPr lang="en-US" smtClean="0"/>
-              <a:t>7/18/2021</a:t>
+              <a:t>7/25/2021</a:t>
             </a:fld>
             <a:endParaRPr lang="en-US"/>
           </a:p>
@@ -1971,7 +1971,7 @@
           <a:p>
             <a:fld id="{BB0DF507-B613-4F28-8DCD-69A9CE7588D0}" type="datetimeFigureOut">
               <a:rPr lang="en-US" smtClean="0"/>
-              <a:t>7/18/2021</a:t>
+              <a:t>7/25/2021</a:t>
             </a:fld>
             <a:endParaRPr lang="en-US"/>
           </a:p>
@@ -2084,7 +2084,7 @@
           <a:p>
             <a:fld id="{BB0DF507-B613-4F28-8DCD-69A9CE7588D0}" type="datetimeFigureOut">
               <a:rPr lang="en-US" smtClean="0"/>
-              <a:t>7/18/2021</a:t>
+              <a:t>7/25/2021</a:t>
             </a:fld>
             <a:endParaRPr lang="en-US"/>
           </a:p>
@@ -2395,7 +2395,7 @@
           <a:p>
             <a:fld id="{BB0DF507-B613-4F28-8DCD-69A9CE7588D0}" type="datetimeFigureOut">
               <a:rPr lang="en-US" smtClean="0"/>
-              <a:t>7/18/2021</a:t>
+              <a:t>7/25/2021</a:t>
             </a:fld>
             <a:endParaRPr lang="en-US"/>
           </a:p>
@@ -2683,7 +2683,7 @@
           <a:p>
             <a:fld id="{BB0DF507-B613-4F28-8DCD-69A9CE7588D0}" type="datetimeFigureOut">
               <a:rPr lang="en-US" smtClean="0"/>
-              <a:t>7/18/2021</a:t>
+              <a:t>7/25/2021</a:t>
             </a:fld>
             <a:endParaRPr lang="en-US"/>
           </a:p>
@@ -2924,7 +2924,7 @@
           <a:p>
             <a:fld id="{BB0DF507-B613-4F28-8DCD-69A9CE7588D0}" type="datetimeFigureOut">
               <a:rPr lang="en-US" smtClean="0"/>
-              <a:t>7/18/2021</a:t>
+              <a:t>7/25/2021</a:t>
             </a:fld>
             <a:endParaRPr lang="en-US"/>
           </a:p>
@@ -3747,20 +3747,54 @@
       </p:sp>
       <p:pic>
         <p:nvPicPr>
-          <p:cNvPr id="10" name="Picture 2" descr="Công nghệ Thông tin - Sư phạm Kỹ thuật Tp.HCM - Home | Facebook">
-            <a:extLst>
-              <a:ext uri="{FF2B5EF4-FFF2-40B4-BE49-F238E27FC236}">
-                <a16:creationId xmlns:a16="http://schemas.microsoft.com/office/drawing/2014/main" id="{51B4D1CF-E4A7-4EE8-9801-59B81D7D2618}"/>
+          <p:cNvPr id="11" name="Picture 10">
+            <a:extLst>
+              <a:ext uri="{FF2B5EF4-FFF2-40B4-BE49-F238E27FC236}">
+                <a16:creationId xmlns:a16="http://schemas.microsoft.com/office/drawing/2014/main" id="{DFD77690-4F5C-454D-8D4E-9C49C023BC01}"/>
               </a:ext>
             </a:extLst>
           </p:cNvPr>
           <p:cNvPicPr>
-            <a:picLocks noChangeAspect="1" noChangeArrowheads="1"/>
+            <a:picLocks noChangeAspect="1"/>
           </p:cNvPicPr>
           <p:nvPr/>
         </p:nvPicPr>
         <p:blipFill>
           <a:blip r:embed="rId2">
+            <a:extLst>
+              <a:ext uri="{28A0092B-C50C-407E-A947-70E740481C1C}">
+                <a14:useLocalDpi xmlns:a14="http://schemas.microsoft.com/office/drawing/2010/main" val="0"/>
+              </a:ext>
+            </a:extLst>
+          </a:blip>
+          <a:stretch>
+            <a:fillRect/>
+          </a:stretch>
+        </p:blipFill>
+        <p:spPr>
+          <a:xfrm>
+            <a:off x="1209784" y="159018"/>
+            <a:ext cx="1295182" cy="1659992"/>
+          </a:xfrm>
+          <a:prstGeom prst="rect">
+            <a:avLst/>
+          </a:prstGeom>
+        </p:spPr>
+      </p:pic>
+      <p:pic>
+        <p:nvPicPr>
+          <p:cNvPr id="12" name="Picture 11">
+            <a:extLst>
+              <a:ext uri="{FF2B5EF4-FFF2-40B4-BE49-F238E27FC236}">
+                <a16:creationId xmlns:a16="http://schemas.microsoft.com/office/drawing/2014/main" id="{7D80790B-8C63-429A-A4D3-0F2E3FDB0181}"/>
+              </a:ext>
+            </a:extLst>
+          </p:cNvPr>
+          <p:cNvPicPr/>
+          <p:nvPr/>
+        </p:nvPicPr>
+        <p:blipFill>
+          <a:blip r:embed="rId3" cstate="print">
             <a:extLst>
               <a:ext uri="{28A0092B-C50C-407E-A947-70E740481C1C}">
                 <a14:useLocalDpi xmlns:a14="http://schemas.microsoft.com/office/drawing/2010/main" val="0"/>
@@ -3774,58 +3808,16 @@
         </p:blipFill>
         <p:spPr bwMode="auto">
           <a:xfrm>
-            <a:off x="9564232" y="345691"/>
-            <a:ext cx="1479896" cy="1473319"/>
+            <a:off x="9570976" y="159018"/>
+            <a:ext cx="1599065" cy="1481172"/>
           </a:xfrm>
           <a:prstGeom prst="rect">
             <a:avLst/>
           </a:prstGeom>
           <a:noFill/>
-          <a:extLst>
-            <a:ext uri="{909E8E84-426E-40DD-AFC4-6F175D3DCCD1}">
-              <a14:hiddenFill xmlns:a14="http://schemas.microsoft.com/office/drawing/2010/main">
-                <a:solidFill>
-                  <a:srgbClr val="FFFFFF"/>
-                </a:solidFill>
-              </a14:hiddenFill>
-            </a:ext>
-          </a:extLst>
-        </p:spPr>
-      </p:pic>
-      <p:pic>
-        <p:nvPicPr>
-          <p:cNvPr id="11" name="Picture 10">
-            <a:extLst>
-              <a:ext uri="{FF2B5EF4-FFF2-40B4-BE49-F238E27FC236}">
-                <a16:creationId xmlns:a16="http://schemas.microsoft.com/office/drawing/2014/main" id="{DFD77690-4F5C-454D-8D4E-9C49C023BC01}"/>
-              </a:ext>
-            </a:extLst>
-          </p:cNvPr>
-          <p:cNvPicPr>
-            <a:picLocks noChangeAspect="1"/>
-          </p:cNvPicPr>
-          <p:nvPr/>
-        </p:nvPicPr>
-        <p:blipFill>
-          <a:blip r:embed="rId3">
-            <a:extLst>
-              <a:ext uri="{28A0092B-C50C-407E-A947-70E740481C1C}">
-                <a14:useLocalDpi xmlns:a14="http://schemas.microsoft.com/office/drawing/2010/main" val="0"/>
-              </a:ext>
-            </a:extLst>
-          </a:blip>
-          <a:stretch>
-            <a:fillRect/>
-          </a:stretch>
-        </p:blipFill>
-        <p:spPr>
-          <a:xfrm>
-            <a:off x="1209784" y="159018"/>
-            <a:ext cx="1295182" cy="1659992"/>
-          </a:xfrm>
-          <a:prstGeom prst="rect">
-            <a:avLst/>
-          </a:prstGeom>
+          <a:ln>
+            <a:noFill/>
+          </a:ln>
         </p:spPr>
       </p:pic>
     </p:spTree>
@@ -5359,42 +5351,6 @@
           </p:txBody>
         </p:sp>
       </p:grpSp>
-      <p:pic>
-        <p:nvPicPr>
-          <p:cNvPr id="12" name="Picture 11">
-            <a:extLst>
-              <a:ext uri="{FF2B5EF4-FFF2-40B4-BE49-F238E27FC236}">
-                <a16:creationId xmlns:a16="http://schemas.microsoft.com/office/drawing/2014/main" id="{3687E30B-6CCA-4502-A7B2-A150FB6BC3D0}"/>
-              </a:ext>
-            </a:extLst>
-          </p:cNvPr>
-          <p:cNvPicPr>
-            <a:picLocks noChangeAspect="1"/>
-          </p:cNvPicPr>
-          <p:nvPr/>
-        </p:nvPicPr>
-        <p:blipFill>
-          <a:blip r:embed="rId2">
-            <a:extLst>
-              <a:ext uri="{28A0092B-C50C-407E-A947-70E740481C1C}">
-                <a14:useLocalDpi xmlns:a14="http://schemas.microsoft.com/office/drawing/2010/main" val="0"/>
-              </a:ext>
-            </a:extLst>
-          </a:blip>
-          <a:stretch>
-            <a:fillRect/>
-          </a:stretch>
-        </p:blipFill>
-        <p:spPr>
-          <a:xfrm>
-            <a:off x="178863" y="1184895"/>
-            <a:ext cx="11893087" cy="5060203"/>
-          </a:xfrm>
-          <a:prstGeom prst="rect">
-            <a:avLst/>
-          </a:prstGeom>
-        </p:spPr>
-      </p:pic>
       <p:sp>
         <p:nvSpPr>
           <p:cNvPr id="14" name="TextBox 13">
@@ -5436,6 +5392,42 @@
           </a:p>
         </p:txBody>
       </p:sp>
+      <p:pic>
+        <p:nvPicPr>
+          <p:cNvPr id="10" name="Picture 9">
+            <a:extLst>
+              <a:ext uri="{FF2B5EF4-FFF2-40B4-BE49-F238E27FC236}">
+                <a16:creationId xmlns:a16="http://schemas.microsoft.com/office/drawing/2014/main" id="{072A4D3A-C298-43A1-A5D7-4DD8B53BE08A}"/>
+              </a:ext>
+            </a:extLst>
+          </p:cNvPr>
+          <p:cNvPicPr>
+            <a:picLocks noChangeAspect="1"/>
+          </p:cNvPicPr>
+          <p:nvPr/>
+        </p:nvPicPr>
+        <p:blipFill>
+          <a:blip r:embed="rId2">
+            <a:extLst>
+              <a:ext uri="{28A0092B-C50C-407E-A947-70E740481C1C}">
+                <a14:useLocalDpi xmlns:a14="http://schemas.microsoft.com/office/drawing/2010/main" val="0"/>
+              </a:ext>
+            </a:extLst>
+          </a:blip>
+          <a:stretch>
+            <a:fillRect/>
+          </a:stretch>
+        </p:blipFill>
+        <p:spPr>
+          <a:xfrm>
+            <a:off x="98767" y="1339946"/>
+            <a:ext cx="11997905" cy="5104800"/>
+          </a:xfrm>
+          <a:prstGeom prst="rect">
+            <a:avLst/>
+          </a:prstGeom>
+        </p:spPr>
+      </p:pic>
     </p:spTree>
     <p:extLst>
       <p:ext uri="{BB962C8B-B14F-4D97-AF65-F5344CB8AC3E}">
@@ -5855,10 +5847,10 @@
       </p:sp>
       <p:pic>
         <p:nvPicPr>
-          <p:cNvPr id="14" name="Picture 13">
-            <a:extLst>
-              <a:ext uri="{FF2B5EF4-FFF2-40B4-BE49-F238E27FC236}">
-                <a16:creationId xmlns:a16="http://schemas.microsoft.com/office/drawing/2014/main" id="{0F649BBC-A49D-45B7-AE0A-4717060AE776}"/>
+          <p:cNvPr id="10" name="Picture 9">
+            <a:extLst>
+              <a:ext uri="{FF2B5EF4-FFF2-40B4-BE49-F238E27FC236}">
+                <a16:creationId xmlns:a16="http://schemas.microsoft.com/office/drawing/2014/main" id="{4EC06E9C-61F0-4F41-8EC8-D337A8430D44}"/>
               </a:ext>
             </a:extLst>
           </p:cNvPr>
@@ -5881,8 +5873,8 @@
         </p:blipFill>
         <p:spPr>
           <a:xfrm>
-            <a:off x="117912" y="1234519"/>
-            <a:ext cx="11912634" cy="5068519"/>
+            <a:off x="97200" y="1339200"/>
+            <a:ext cx="11995200" cy="5103649"/>
           </a:xfrm>
           <a:prstGeom prst="rect">
             <a:avLst/>
@@ -9852,11 +9844,11 @@
           <a:prstGeom prst="rect">
             <a:avLst/>
           </a:prstGeom>
-          <a:noFill/>
+          <a:solidFill>
+            <a:schemeClr val="bg1"/>
+          </a:solidFill>
           <a:ln>
-            <a:solidFill>
-              <a:srgbClr val="FF0000"/>
-            </a:solidFill>
+            <a:noFill/>
           </a:ln>
         </p:spPr>
       </p:pic>
@@ -13005,10 +12997,10 @@
       </p:grpSp>
       <p:pic>
         <p:nvPicPr>
-          <p:cNvPr id="10" name="Picture 9">
-            <a:extLst>
-              <a:ext uri="{FF2B5EF4-FFF2-40B4-BE49-F238E27FC236}">
-                <a16:creationId xmlns:a16="http://schemas.microsoft.com/office/drawing/2014/main" id="{EBF10D1C-1ABD-4890-9336-4BD26EEB9D1F}"/>
+          <p:cNvPr id="11" name="Picture 10">
+            <a:extLst>
+              <a:ext uri="{FF2B5EF4-FFF2-40B4-BE49-F238E27FC236}">
+                <a16:creationId xmlns:a16="http://schemas.microsoft.com/office/drawing/2014/main" id="{900CF205-650A-49BB-B53A-189E9576B924}"/>
               </a:ext>
             </a:extLst>
           </p:cNvPr>
@@ -13031,8 +13023,8 @@
         </p:blipFill>
         <p:spPr>
           <a:xfrm>
-            <a:off x="243780" y="1085627"/>
-            <a:ext cx="11805764" cy="5023049"/>
+            <a:off x="91016" y="1097302"/>
+            <a:ext cx="12009968" cy="5109933"/>
           </a:xfrm>
           <a:prstGeom prst="rect">
             <a:avLst/>
